--- a/12454_Nishant.pptx
+++ b/12454_Nishant.pptx
@@ -113,6 +113,11 @@
       </a:defRPr>
     </a:lvl9pPr>
   </p:defaultTextStyle>
+  <p:extLst>
+    <p:ext uri="{EFAFB233-063F-42B5-8137-9DF3F51BA10A}">
+      <p15:sldGuideLst xmlns:p15="http://schemas.microsoft.com/office/powerpoint/2012/main"/>
+    </p:ext>
+  </p:extLst>
 </p:presentation>
 </file>
 
@@ -247,7 +252,7 @@
           <a:p>
             <a:fld id="{2F55F108-93A5-4B09-84F9-888297704557}" type="datetimeFigureOut">
               <a:rPr lang="en-US" smtClean="0"/>
-              <a:t>28-Feb-14</a:t>
+              <a:t>02-Mar-14</a:t>
             </a:fld>
             <a:endParaRPr lang="en-US"/>
           </a:p>
@@ -417,7 +422,7 @@
           <a:p>
             <a:fld id="{2F55F108-93A5-4B09-84F9-888297704557}" type="datetimeFigureOut">
               <a:rPr lang="en-US" smtClean="0"/>
-              <a:t>28-Feb-14</a:t>
+              <a:t>02-Mar-14</a:t>
             </a:fld>
             <a:endParaRPr lang="en-US"/>
           </a:p>
@@ -597,7 +602,7 @@
           <a:p>
             <a:fld id="{2F55F108-93A5-4B09-84F9-888297704557}" type="datetimeFigureOut">
               <a:rPr lang="en-US" smtClean="0"/>
-              <a:t>28-Feb-14</a:t>
+              <a:t>02-Mar-14</a:t>
             </a:fld>
             <a:endParaRPr lang="en-US"/>
           </a:p>
@@ -767,7 +772,7 @@
           <a:p>
             <a:fld id="{2F55F108-93A5-4B09-84F9-888297704557}" type="datetimeFigureOut">
               <a:rPr lang="en-US" smtClean="0"/>
-              <a:t>28-Feb-14</a:t>
+              <a:t>02-Mar-14</a:t>
             </a:fld>
             <a:endParaRPr lang="en-US"/>
           </a:p>
@@ -1013,7 +1018,7 @@
           <a:p>
             <a:fld id="{2F55F108-93A5-4B09-84F9-888297704557}" type="datetimeFigureOut">
               <a:rPr lang="en-US" smtClean="0"/>
-              <a:t>28-Feb-14</a:t>
+              <a:t>02-Mar-14</a:t>
             </a:fld>
             <a:endParaRPr lang="en-US"/>
           </a:p>
@@ -1245,7 +1250,7 @@
           <a:p>
             <a:fld id="{2F55F108-93A5-4B09-84F9-888297704557}" type="datetimeFigureOut">
               <a:rPr lang="en-US" smtClean="0"/>
-              <a:t>28-Feb-14</a:t>
+              <a:t>02-Mar-14</a:t>
             </a:fld>
             <a:endParaRPr lang="en-US"/>
           </a:p>
@@ -1612,7 +1617,7 @@
           <a:p>
             <a:fld id="{2F55F108-93A5-4B09-84F9-888297704557}" type="datetimeFigureOut">
               <a:rPr lang="en-US" smtClean="0"/>
-              <a:t>28-Feb-14</a:t>
+              <a:t>02-Mar-14</a:t>
             </a:fld>
             <a:endParaRPr lang="en-US"/>
           </a:p>
@@ -1730,7 +1735,7 @@
           <a:p>
             <a:fld id="{2F55F108-93A5-4B09-84F9-888297704557}" type="datetimeFigureOut">
               <a:rPr lang="en-US" smtClean="0"/>
-              <a:t>28-Feb-14</a:t>
+              <a:t>02-Mar-14</a:t>
             </a:fld>
             <a:endParaRPr lang="en-US"/>
           </a:p>
@@ -1825,7 +1830,7 @@
           <a:p>
             <a:fld id="{2F55F108-93A5-4B09-84F9-888297704557}" type="datetimeFigureOut">
               <a:rPr lang="en-US" smtClean="0"/>
-              <a:t>28-Feb-14</a:t>
+              <a:t>02-Mar-14</a:t>
             </a:fld>
             <a:endParaRPr lang="en-US"/>
           </a:p>
@@ -2102,7 +2107,7 @@
           <a:p>
             <a:fld id="{2F55F108-93A5-4B09-84F9-888297704557}" type="datetimeFigureOut">
               <a:rPr lang="en-US" smtClean="0"/>
-              <a:t>28-Feb-14</a:t>
+              <a:t>02-Mar-14</a:t>
             </a:fld>
             <a:endParaRPr lang="en-US"/>
           </a:p>
@@ -2355,7 +2360,7 @@
           <a:p>
             <a:fld id="{2F55F108-93A5-4B09-84F9-888297704557}" type="datetimeFigureOut">
               <a:rPr lang="en-US" smtClean="0"/>
-              <a:t>28-Feb-14</a:t>
+              <a:t>02-Mar-14</a:t>
             </a:fld>
             <a:endParaRPr lang="en-US"/>
           </a:p>
@@ -2568,7 +2573,7 @@
           <a:p>
             <a:fld id="{2F55F108-93A5-4B09-84F9-888297704557}" type="datetimeFigureOut">
               <a:rPr lang="en-US" smtClean="0"/>
-              <a:t>28-Feb-14</a:t>
+              <a:t>02-Mar-14</a:t>
             </a:fld>
             <a:endParaRPr lang="en-US"/>
           </a:p>
@@ -3181,8 +3186,8 @@
         </p:nvSpPr>
         <p:spPr>
           <a:xfrm>
-            <a:off x="1124753" y="1052709"/>
-            <a:ext cx="9144000" cy="759853"/>
+            <a:off x="1124752" y="1052709"/>
+            <a:ext cx="9577591" cy="1272114"/>
           </a:xfrm>
           <a:prstGeom prst="rect">
             <a:avLst/>
@@ -3221,6 +3226,17 @@
               <a:t>Url</a:t>
             </a:r>
             <a:endParaRPr lang="en-US" dirty="0"/>
+          </a:p>
+          <a:p>
+            <a:r>
+              <a:rPr lang="en-US" sz="2000" dirty="0" smtClean="0"/>
+              <a:t>The source code with readme is uploaded </a:t>
+            </a:r>
+            <a:r>
+              <a:rPr lang="en-US" sz="2000" dirty="0"/>
+              <a:t>at https://github.com/nishantsny/url_shortener</a:t>
+            </a:r>
+            <a:endParaRPr lang="en-US" sz="2000" dirty="0" smtClean="0"/>
           </a:p>
         </p:txBody>
       </p:sp>
@@ -3261,8 +3277,8 @@
           <a:chExt cx="0" cy="0"/>
         </a:xfrm>
       </p:grpSpPr>
-      <mc:AlternateContent xmlns:mc="http://schemas.openxmlformats.org/markup-compatibility/2006">
-        <mc:Choice xmlns:a14="http://schemas.microsoft.com/office/drawing/2010/main" Requires="a14">
+      <mc:AlternateContent xmlns:mc="http://schemas.openxmlformats.org/markup-compatibility/2006" xmlns:a14="http://schemas.microsoft.com/office/drawing/2010/main">
+        <mc:Choice Requires="a14">
           <p:sp>
             <p:nvSpPr>
               <p:cNvPr id="2" name="TextBox 1"/>
@@ -3336,7 +3352,7 @@
             </p:txBody>
           </p:sp>
         </mc:Choice>
-        <mc:Fallback>
+        <mc:Fallback xmlns="">
           <p:sp>
             <p:nvSpPr>
               <p:cNvPr id="2" name="TextBox 1"/>
@@ -3375,8 +3391,8 @@
           </p:sp>
         </mc:Fallback>
       </mc:AlternateContent>
-      <mc:AlternateContent xmlns:mc="http://schemas.openxmlformats.org/markup-compatibility/2006">
-        <mc:Choice xmlns:a14="http://schemas.microsoft.com/office/drawing/2010/main" Requires="a14">
+      <mc:AlternateContent xmlns:mc="http://schemas.openxmlformats.org/markup-compatibility/2006" xmlns:a14="http://schemas.microsoft.com/office/drawing/2010/main">
+        <mc:Choice Requires="a14">
           <p:sp>
             <p:nvSpPr>
               <p:cNvPr id="3" name="TextBox 2"/>
@@ -3477,7 +3493,6 @@
                 <a:endParaRPr lang="en-US" b="0" dirty="0" smtClean="0"/>
               </a:p>
               <a:p>
-                <a:pPr/>
                 <a:r>
                   <a:rPr lang="en-US" dirty="0" smtClean="0"/>
                   <a:t>	</a:t>
@@ -3501,7 +3516,6 @@
                 <a:endParaRPr lang="en-US" b="0" dirty="0" smtClean="0"/>
               </a:p>
               <a:p>
-                <a:pPr/>
                 <a:r>
                   <a:rPr lang="en-US" dirty="0" smtClean="0"/>
                   <a:t>	</a:t>
@@ -3584,7 +3598,6 @@
                 <a:endParaRPr lang="en-US" b="0" dirty="0" smtClean="0"/>
               </a:p>
               <a:p>
-                <a:pPr/>
                 <a:r>
                   <a:rPr lang="en-US" dirty="0" smtClean="0"/>
                   <a:t>		</a:t>
@@ -3705,7 +3718,6 @@
                 <a:endParaRPr lang="en-US" b="0" dirty="0" smtClean="0"/>
               </a:p>
               <a:p>
-                <a:pPr/>
                 <a:r>
                   <a:rPr lang="en-US" dirty="0" smtClean="0"/>
                   <a:t>	</a:t>
@@ -3723,7 +3735,6 @@
                 <a:endParaRPr lang="en-US" b="0" dirty="0" smtClean="0"/>
               </a:p>
               <a:p>
-                <a:pPr/>
                 <a:r>
                   <a:rPr lang="en-US" dirty="0" smtClean="0"/>
                   <a:t>	</a:t>
@@ -3822,7 +3833,7 @@
             </p:txBody>
           </p:sp>
         </mc:Choice>
-        <mc:Fallback>
+        <mc:Fallback xmlns="">
           <p:sp>
             <p:nvSpPr>
               <p:cNvPr id="3" name="TextBox 2"/>
@@ -3968,8 +3979,8 @@
           <a:chExt cx="0" cy="0"/>
         </a:xfrm>
       </p:grpSpPr>
-      <mc:AlternateContent xmlns:mc="http://schemas.openxmlformats.org/markup-compatibility/2006">
-        <mc:Choice xmlns:a14="http://schemas.microsoft.com/office/drawing/2010/main" Requires="a14">
+      <mc:AlternateContent xmlns:mc="http://schemas.openxmlformats.org/markup-compatibility/2006" xmlns:a14="http://schemas.microsoft.com/office/drawing/2010/main">
+        <mc:Choice Requires="a14">
           <p:sp>
             <p:nvSpPr>
               <p:cNvPr id="4" name="TextBox 3"/>
@@ -4097,7 +4108,7 @@
             </p:txBody>
           </p:sp>
         </mc:Choice>
-        <mc:Fallback>
+        <mc:Fallback xmlns="">
           <p:sp>
             <p:nvSpPr>
               <p:cNvPr id="4" name="TextBox 3"/>
@@ -4189,8 +4200,8 @@
           </a:p>
         </p:txBody>
       </p:sp>
-      <mc:AlternateContent xmlns:mc="http://schemas.openxmlformats.org/markup-compatibility/2006">
-        <mc:Choice xmlns:a14="http://schemas.microsoft.com/office/drawing/2010/main" Requires="a14">
+      <mc:AlternateContent xmlns:mc="http://schemas.openxmlformats.org/markup-compatibility/2006" xmlns:a14="http://schemas.microsoft.com/office/drawing/2010/main">
+        <mc:Choice Requires="a14">
           <p:sp>
             <p:nvSpPr>
               <p:cNvPr id="6" name="TextBox 5"/>
@@ -4319,7 +4330,7 @@
             </p:txBody>
           </p:sp>
         </mc:Choice>
-        <mc:Fallback>
+        <mc:Fallback xmlns="">
           <p:sp>
             <p:nvSpPr>
               <p:cNvPr id="6" name="TextBox 5"/>
@@ -4425,8 +4436,8 @@
           </a:p>
         </p:txBody>
       </p:sp>
-      <mc:AlternateContent xmlns:mc="http://schemas.openxmlformats.org/markup-compatibility/2006">
-        <mc:Choice xmlns:a14="http://schemas.microsoft.com/office/drawing/2010/main" Requires="a14">
+      <mc:AlternateContent xmlns:mc="http://schemas.openxmlformats.org/markup-compatibility/2006" xmlns:a14="http://schemas.microsoft.com/office/drawing/2010/main">
+        <mc:Choice Requires="a14">
           <p:sp>
             <p:nvSpPr>
               <p:cNvPr id="3" name="TextBox 2"/>
@@ -4818,7 +4829,7 @@
             </p:txBody>
           </p:sp>
         </mc:Choice>
-        <mc:Fallback>
+        <mc:Fallback xmlns="">
           <p:sp>
             <p:nvSpPr>
               <p:cNvPr id="3" name="TextBox 2"/>
@@ -4857,8 +4868,8 @@
           </p:sp>
         </mc:Fallback>
       </mc:AlternateContent>
-      <mc:AlternateContent xmlns:mc="http://schemas.openxmlformats.org/markup-compatibility/2006">
-        <mc:Choice xmlns:a14="http://schemas.microsoft.com/office/drawing/2010/main" Requires="a14">
+      <mc:AlternateContent xmlns:mc="http://schemas.openxmlformats.org/markup-compatibility/2006" xmlns:a14="http://schemas.microsoft.com/office/drawing/2010/main">
+        <mc:Choice Requires="a14">
           <p:sp>
             <p:nvSpPr>
               <p:cNvPr id="4" name="TextBox 3"/>
@@ -4963,7 +4974,7 @@
             </p:txBody>
           </p:sp>
         </mc:Choice>
-        <mc:Fallback>
+        <mc:Fallback xmlns="">
           <p:sp>
             <p:nvSpPr>
               <p:cNvPr id="4" name="TextBox 3"/>
@@ -5084,8 +5095,8 @@
           <a:chExt cx="0" cy="0"/>
         </a:xfrm>
       </p:grpSpPr>
-      <mc:AlternateContent xmlns:mc="http://schemas.openxmlformats.org/markup-compatibility/2006">
-        <mc:Choice xmlns:a14="http://schemas.microsoft.com/office/drawing/2010/main" Requires="a14">
+      <mc:AlternateContent xmlns:mc="http://schemas.openxmlformats.org/markup-compatibility/2006" xmlns:a14="http://schemas.microsoft.com/office/drawing/2010/main">
+        <mc:Choice Requires="a14">
           <p:sp>
             <p:nvSpPr>
               <p:cNvPr id="2" name="Title 1"/>
@@ -5135,7 +5146,7 @@
             </p:txBody>
           </p:sp>
         </mc:Choice>
-        <mc:Fallback>
+        <mc:Fallback xmlns="">
           <p:sp>
             <p:nvSpPr>
               <p:cNvPr id="2" name="Title 1"/>
@@ -5211,8 +5222,8 @@
           </a:p>
         </p:txBody>
       </p:sp>
-      <mc:AlternateContent xmlns:mc="http://schemas.openxmlformats.org/markup-compatibility/2006">
-        <mc:Choice xmlns:a14="http://schemas.microsoft.com/office/drawing/2010/main" Requires="a14">
+      <mc:AlternateContent xmlns:mc="http://schemas.openxmlformats.org/markup-compatibility/2006" xmlns:a14="http://schemas.microsoft.com/office/drawing/2010/main">
+        <mc:Choice Requires="a14">
           <p:sp>
             <p:nvSpPr>
               <p:cNvPr id="7" name="TextBox 6"/>
@@ -5467,7 +5478,6 @@
                 </a:r>
               </a:p>
               <a:p>
-                <a:pPr/>
                 <a:r>
                   <a:rPr lang="en-US" dirty="0"/>
                   <a:t>	</a:t>
@@ -5585,7 +5595,6 @@
                 <a:endParaRPr lang="en-US" b="0" dirty="0" smtClean="0"/>
               </a:p>
               <a:p>
-                <a:pPr/>
                 <a:r>
                   <a:rPr lang="en-US" dirty="0"/>
                   <a:t>	</a:t>
@@ -5703,7 +5712,6 @@
                 <a:endParaRPr lang="en-US" b="0" dirty="0" smtClean="0"/>
               </a:p>
               <a:p>
-                <a:pPr/>
                 <a:r>
                   <a:rPr lang="en-US" b="0" dirty="0" smtClean="0"/>
                   <a:t>	</a:t>
@@ -5823,7 +5831,7 @@
             </p:txBody>
           </p:sp>
         </mc:Choice>
-        <mc:Fallback>
+        <mc:Fallback xmlns="">
           <p:sp>
             <p:nvSpPr>
               <p:cNvPr id="7" name="TextBox 6"/>
@@ -5899,8 +5907,8 @@
           <a:chExt cx="0" cy="0"/>
         </a:xfrm>
       </p:grpSpPr>
-      <mc:AlternateContent xmlns:mc="http://schemas.openxmlformats.org/markup-compatibility/2006">
-        <mc:Choice xmlns:a14="http://schemas.microsoft.com/office/drawing/2010/main" Requires="a14">
+      <mc:AlternateContent xmlns:mc="http://schemas.openxmlformats.org/markup-compatibility/2006" xmlns:a14="http://schemas.microsoft.com/office/drawing/2010/main">
+        <mc:Choice Requires="a14">
           <p:sp>
             <p:nvSpPr>
               <p:cNvPr id="6" name="Rectangle 5"/>
@@ -5925,7 +5933,6 @@
               </a:bodyPr>
               <a:lstStyle/>
               <a:p>
-                <a:pPr/>
                 <a:r>
                   <a:rPr lang="en-US" b="0" dirty="0" smtClean="0"/>
                   <a:t>	</a:t>
@@ -6045,7 +6052,6 @@
                 </a:endParaRPr>
               </a:p>
               <a:p>
-                <a:pPr/>
                 <a:r>
                   <a:rPr lang="en-US" i="1" dirty="0">
                     <a:latin typeface="Cambria Math" panose="02040503050406030204" pitchFamily="18" charset="0"/>
@@ -6167,7 +6173,6 @@
                 </a:endParaRPr>
               </a:p>
               <a:p>
-                <a:pPr/>
                 <a:r>
                   <a:rPr lang="en-US" b="0" dirty="0" smtClean="0"/>
                   <a:t>	</a:t>
@@ -6728,7 +6733,7 @@
             </p:txBody>
           </p:sp>
         </mc:Choice>
-        <mc:Fallback>
+        <mc:Fallback xmlns="">
           <p:sp>
             <p:nvSpPr>
               <p:cNvPr id="6" name="Rectangle 5"/>
@@ -6834,8 +6839,8 @@
           <a:chExt cx="0" cy="0"/>
         </a:xfrm>
       </p:grpSpPr>
-      <mc:AlternateContent xmlns:mc="http://schemas.openxmlformats.org/markup-compatibility/2006">
-        <mc:Choice xmlns:a14="http://schemas.microsoft.com/office/drawing/2010/main" Requires="a14">
+      <mc:AlternateContent xmlns:mc="http://schemas.openxmlformats.org/markup-compatibility/2006" xmlns:a14="http://schemas.microsoft.com/office/drawing/2010/main">
+        <mc:Choice Requires="a14">
           <p:sp>
             <p:nvSpPr>
               <p:cNvPr id="4" name="Rectangle 3"/>
@@ -6863,7 +6868,6 @@
                 <a:endParaRPr lang="en-US" dirty="0" smtClean="0"/>
               </a:p>
               <a:p>
-                <a:pPr/>
                 <a:r>
                   <a:rPr lang="en-US" dirty="0" smtClean="0"/>
                   <a:t>	</a:t>
@@ -7112,7 +7116,6 @@
                 <a:endParaRPr lang="en-US" dirty="0"/>
               </a:p>
               <a:p>
-                <a:pPr/>
                 <a:r>
                   <a:rPr lang="en-US" b="0" dirty="0" smtClean="0"/>
                   <a:t>	</a:t>
@@ -7363,7 +7366,6 @@
                 </a:endParaRPr>
               </a:p>
               <a:p>
-                <a:pPr/>
                 <a:r>
                   <a:rPr lang="en-US" b="0" i="1" dirty="0" smtClean="0">
                     <a:latin typeface="Cambria Math" panose="02040503050406030204" pitchFamily="18" charset="0"/>
@@ -7682,6 +7684,7 @@
                 </a:endParaRPr>
               </a:p>
               <a:p>
+                <a:pPr/>
                 <a14:m>
                   <m:oMathPara xmlns:m="http://schemas.openxmlformats.org/officeDocument/2006/math">
                     <m:oMathParaPr>
@@ -7900,7 +7903,7 @@
             </p:txBody>
           </p:sp>
         </mc:Choice>
-        <mc:Fallback>
+        <mc:Fallback xmlns="">
           <p:sp>
             <p:nvSpPr>
               <p:cNvPr id="4" name="Rectangle 3"/>
@@ -7939,8 +7942,8 @@
           </p:sp>
         </mc:Fallback>
       </mc:AlternateContent>
-      <mc:AlternateContent xmlns:mc="http://schemas.openxmlformats.org/markup-compatibility/2006">
-        <mc:Choice xmlns:a14="http://schemas.microsoft.com/office/drawing/2010/main" Requires="a14">
+      <mc:AlternateContent xmlns:mc="http://schemas.openxmlformats.org/markup-compatibility/2006" xmlns:a14="http://schemas.microsoft.com/office/drawing/2010/main">
+        <mc:Choice Requires="a14">
           <p:sp>
             <p:nvSpPr>
               <p:cNvPr id="5" name="Rectangle 4"/>
@@ -8790,7 +8793,7 @@
             </p:txBody>
           </p:sp>
         </mc:Choice>
-        <mc:Fallback>
+        <mc:Fallback xmlns="">
           <p:sp>
             <p:nvSpPr>
               <p:cNvPr id="5" name="Rectangle 4"/>
@@ -8866,8 +8869,8 @@
           <a:chExt cx="0" cy="0"/>
         </a:xfrm>
       </p:grpSpPr>
-      <mc:AlternateContent xmlns:mc="http://schemas.openxmlformats.org/markup-compatibility/2006">
-        <mc:Choice xmlns:a14="http://schemas.microsoft.com/office/drawing/2010/main" Requires="a14">
+      <mc:AlternateContent xmlns:mc="http://schemas.openxmlformats.org/markup-compatibility/2006" xmlns:a14="http://schemas.microsoft.com/office/drawing/2010/main">
+        <mc:Choice Requires="a14">
           <p:sp>
             <p:nvSpPr>
               <p:cNvPr id="2" name="TextBox 1"/>
@@ -8919,7 +8922,7 @@
             </p:txBody>
           </p:sp>
         </mc:Choice>
-        <mc:Fallback>
+        <mc:Fallback xmlns="">
           <p:sp>
             <p:nvSpPr>
               <p:cNvPr id="2" name="TextBox 1"/>
@@ -8958,8 +8961,8 @@
           </p:sp>
         </mc:Fallback>
       </mc:AlternateContent>
-      <mc:AlternateContent xmlns:mc="http://schemas.openxmlformats.org/markup-compatibility/2006">
-        <mc:Choice xmlns:a14="http://schemas.microsoft.com/office/drawing/2010/main" Requires="a14">
+      <mc:AlternateContent xmlns:mc="http://schemas.openxmlformats.org/markup-compatibility/2006" xmlns:a14="http://schemas.microsoft.com/office/drawing/2010/main">
+        <mc:Choice Requires="a14">
           <p:sp>
             <p:nvSpPr>
               <p:cNvPr id="3" name="TextBox 2"/>
@@ -9379,7 +9382,7 @@
             </p:txBody>
           </p:sp>
         </mc:Choice>
-        <mc:Fallback>
+        <mc:Fallback xmlns="">
           <p:sp>
             <p:nvSpPr>
               <p:cNvPr id="3" name="TextBox 2"/>
@@ -9455,8 +9458,8 @@
           <a:chExt cx="0" cy="0"/>
         </a:xfrm>
       </p:grpSpPr>
-      <mc:AlternateContent xmlns:mc="http://schemas.openxmlformats.org/markup-compatibility/2006">
-        <mc:Choice xmlns:a14="http://schemas.microsoft.com/office/drawing/2010/main" Requires="a14">
+      <mc:AlternateContent xmlns:mc="http://schemas.openxmlformats.org/markup-compatibility/2006" xmlns:a14="http://schemas.microsoft.com/office/drawing/2010/main">
+        <mc:Choice Requires="a14">
           <p:sp>
             <p:nvSpPr>
               <p:cNvPr id="2" name="TextBox 1"/>
@@ -9502,7 +9505,7 @@
             </p:txBody>
           </p:sp>
         </mc:Choice>
-        <mc:Fallback>
+        <mc:Fallback xmlns="">
           <p:sp>
             <p:nvSpPr>
               <p:cNvPr id="2" name="TextBox 1"/>
@@ -9541,8 +9544,8 @@
           </p:sp>
         </mc:Fallback>
       </mc:AlternateContent>
-      <mc:AlternateContent xmlns:mc="http://schemas.openxmlformats.org/markup-compatibility/2006">
-        <mc:Choice xmlns:a14="http://schemas.microsoft.com/office/drawing/2010/main" Requires="a14">
+      <mc:AlternateContent xmlns:mc="http://schemas.openxmlformats.org/markup-compatibility/2006" xmlns:a14="http://schemas.microsoft.com/office/drawing/2010/main">
+        <mc:Choice Requires="a14">
           <p:sp>
             <p:nvSpPr>
               <p:cNvPr id="3" name="TextBox 2"/>
@@ -9693,7 +9696,6 @@
                 <a:endParaRPr lang="en-US" b="0" dirty="0" smtClean="0"/>
               </a:p>
               <a:p>
-                <a:pPr/>
                 <a:r>
                   <a:rPr lang="en-US" dirty="0"/>
                   <a:t>	</a:t>
@@ -9729,7 +9731,6 @@
                 <a:endParaRPr lang="en-US" b="0" dirty="0" smtClean="0"/>
               </a:p>
               <a:p>
-                <a:pPr/>
                 <a:r>
                   <a:rPr lang="en-US" b="0" dirty="0" smtClean="0"/>
                   <a:t>	</a:t>
@@ -9753,7 +9754,6 @@
                 <a:endParaRPr lang="en-US" b="0" dirty="0" smtClean="0"/>
               </a:p>
               <a:p>
-                <a:pPr/>
                 <a:r>
                   <a:rPr lang="en-US" b="0" dirty="0" smtClean="0"/>
                   <a:t>	</a:t>
@@ -9836,7 +9836,6 @@
                 <a:endParaRPr lang="en-US" b="0" dirty="0" smtClean="0"/>
               </a:p>
               <a:p>
-                <a:pPr/>
                 <a:r>
                   <a:rPr lang="en-US" b="0" dirty="0" smtClean="0"/>
                   <a:t>		</a:t>
@@ -9915,7 +9914,6 @@
                 <a:endParaRPr lang="en-US" b="0" dirty="0" smtClean="0"/>
               </a:p>
               <a:p>
-                <a:pPr/>
                 <a:r>
                   <a:rPr lang="en-US" b="0" dirty="0" smtClean="0"/>
                   <a:t>		</a:t>
@@ -9963,7 +9961,6 @@
                 <a:endParaRPr lang="en-US" b="0" dirty="0" smtClean="0"/>
               </a:p>
               <a:p>
-                <a:pPr/>
                 <a:r>
                   <a:rPr lang="en-US" b="0" dirty="0" smtClean="0"/>
                   <a:t>	</a:t>
@@ -9981,7 +9978,6 @@
                 <a:endParaRPr lang="en-US" b="0" dirty="0" smtClean="0"/>
               </a:p>
               <a:p>
-                <a:pPr/>
                 <a:r>
                   <a:rPr lang="en-US" b="0" dirty="0" smtClean="0"/>
                   <a:t>	</a:t>
@@ -10045,7 +10041,7 @@
             </p:txBody>
           </p:sp>
         </mc:Choice>
-        <mc:Fallback>
+        <mc:Fallback xmlns="">
           <p:sp>
             <p:nvSpPr>
               <p:cNvPr id="3" name="TextBox 2"/>
@@ -10121,8 +10117,8 @@
           <a:chExt cx="0" cy="0"/>
         </a:xfrm>
       </p:grpSpPr>
-      <mc:AlternateContent xmlns:mc="http://schemas.openxmlformats.org/markup-compatibility/2006">
-        <mc:Choice xmlns:a14="http://schemas.microsoft.com/office/drawing/2010/main" Requires="a14">
+      <mc:AlternateContent xmlns:mc="http://schemas.openxmlformats.org/markup-compatibility/2006" xmlns:a14="http://schemas.microsoft.com/office/drawing/2010/main">
+        <mc:Choice Requires="a14">
           <p:sp>
             <p:nvSpPr>
               <p:cNvPr id="2" name="TextBox 1"/>
@@ -10251,7 +10247,7 @@
             </p:txBody>
           </p:sp>
         </mc:Choice>
-        <mc:Fallback>
+        <mc:Fallback xmlns="">
           <p:sp>
             <p:nvSpPr>
               <p:cNvPr id="2" name="TextBox 1"/>
@@ -10290,8 +10286,8 @@
           </p:sp>
         </mc:Fallback>
       </mc:AlternateContent>
-      <mc:AlternateContent xmlns:mc="http://schemas.openxmlformats.org/markup-compatibility/2006">
-        <mc:Choice xmlns:a14="http://schemas.microsoft.com/office/drawing/2010/main" Requires="a14">
+      <mc:AlternateContent xmlns:mc="http://schemas.openxmlformats.org/markup-compatibility/2006" xmlns:a14="http://schemas.microsoft.com/office/drawing/2010/main">
+        <mc:Choice Requires="a14">
           <p:sp>
             <p:nvSpPr>
               <p:cNvPr id="3" name="TextBox 2"/>
@@ -10377,7 +10373,6 @@
                 <a:endParaRPr lang="en-US" b="0" dirty="0" smtClean="0"/>
               </a:p>
               <a:p>
-                <a:pPr/>
                 <a:r>
                   <a:rPr lang="en-US" dirty="0" smtClean="0"/>
                   <a:t>	</a:t>
@@ -10580,7 +10575,6 @@
                 <a:endParaRPr lang="en-US" b="0" dirty="0" smtClean="0"/>
               </a:p>
               <a:p>
-                <a:pPr/>
                 <a:r>
                   <a:rPr lang="en-US" dirty="0" smtClean="0"/>
                   <a:t>	</a:t>
@@ -10604,7 +10598,6 @@
                 <a:endParaRPr lang="en-US" b="0" dirty="0" smtClean="0"/>
               </a:p>
               <a:p>
-                <a:pPr/>
                 <a:r>
                   <a:rPr lang="en-US" dirty="0" smtClean="0"/>
                   <a:t>	</a:t>
@@ -10687,7 +10680,6 @@
                 <a:endParaRPr lang="en-US" b="0" dirty="0" smtClean="0"/>
               </a:p>
               <a:p>
-                <a:pPr/>
                 <a:r>
                   <a:rPr lang="en-US" dirty="0" smtClean="0"/>
                   <a:t>		</a:t>
@@ -10808,7 +10800,6 @@
                 <a:endParaRPr lang="en-US" b="0" dirty="0" smtClean="0"/>
               </a:p>
               <a:p>
-                <a:pPr/>
                 <a:r>
                   <a:rPr lang="en-US" dirty="0" smtClean="0"/>
                   <a:t>	</a:t>
@@ -10826,7 +10817,6 @@
                 <a:endParaRPr lang="en-US" b="0" dirty="0" smtClean="0"/>
               </a:p>
               <a:p>
-                <a:pPr/>
                 <a:r>
                   <a:rPr lang="en-US" dirty="0"/>
                   <a:t>	</a:t>
@@ -10864,7 +10854,7 @@
             </p:txBody>
           </p:sp>
         </mc:Choice>
-        <mc:Fallback>
+        <mc:Fallback xmlns="">
           <p:sp>
             <p:nvSpPr>
               <p:cNvPr id="3" name="TextBox 2"/>
